--- a/osi-and-tcp.pptx
+++ b/osi-and-tcp.pptx
@@ -270,7 +270,7 @@
           <a:p>
             <a:fld id="{74E1180D-E563-4D4C-AA62-97C539356E7C}" type="datetimeFigureOut">
               <a:rPr lang="ko-KR" altLang="en-US" smtClean="0"/>
-              <a:t>2020-07-12</a:t>
+              <a:t>2020-07-21</a:t>
             </a:fld>
             <a:endParaRPr lang="ko-KR" altLang="en-US"/>
           </a:p>
@@ -468,7 +468,7 @@
           <a:p>
             <a:fld id="{74E1180D-E563-4D4C-AA62-97C539356E7C}" type="datetimeFigureOut">
               <a:rPr lang="ko-KR" altLang="en-US" smtClean="0"/>
-              <a:t>2020-07-12</a:t>
+              <a:t>2020-07-21</a:t>
             </a:fld>
             <a:endParaRPr lang="ko-KR" altLang="en-US"/>
           </a:p>
@@ -676,7 +676,7 @@
           <a:p>
             <a:fld id="{74E1180D-E563-4D4C-AA62-97C539356E7C}" type="datetimeFigureOut">
               <a:rPr lang="ko-KR" altLang="en-US" smtClean="0"/>
-              <a:t>2020-07-12</a:t>
+              <a:t>2020-07-21</a:t>
             </a:fld>
             <a:endParaRPr lang="ko-KR" altLang="en-US"/>
           </a:p>
@@ -874,7 +874,7 @@
           <a:p>
             <a:fld id="{74E1180D-E563-4D4C-AA62-97C539356E7C}" type="datetimeFigureOut">
               <a:rPr lang="ko-KR" altLang="en-US" smtClean="0"/>
-              <a:t>2020-07-12</a:t>
+              <a:t>2020-07-21</a:t>
             </a:fld>
             <a:endParaRPr lang="ko-KR" altLang="en-US"/>
           </a:p>
@@ -1149,7 +1149,7 @@
           <a:p>
             <a:fld id="{74E1180D-E563-4D4C-AA62-97C539356E7C}" type="datetimeFigureOut">
               <a:rPr lang="ko-KR" altLang="en-US" smtClean="0"/>
-              <a:t>2020-07-12</a:t>
+              <a:t>2020-07-21</a:t>
             </a:fld>
             <a:endParaRPr lang="ko-KR" altLang="en-US"/>
           </a:p>
@@ -1414,7 +1414,7 @@
           <a:p>
             <a:fld id="{74E1180D-E563-4D4C-AA62-97C539356E7C}" type="datetimeFigureOut">
               <a:rPr lang="ko-KR" altLang="en-US" smtClean="0"/>
-              <a:t>2020-07-12</a:t>
+              <a:t>2020-07-21</a:t>
             </a:fld>
             <a:endParaRPr lang="ko-KR" altLang="en-US"/>
           </a:p>
@@ -1826,7 +1826,7 @@
           <a:p>
             <a:fld id="{74E1180D-E563-4D4C-AA62-97C539356E7C}" type="datetimeFigureOut">
               <a:rPr lang="ko-KR" altLang="en-US" smtClean="0"/>
-              <a:t>2020-07-12</a:t>
+              <a:t>2020-07-21</a:t>
             </a:fld>
             <a:endParaRPr lang="ko-KR" altLang="en-US"/>
           </a:p>
@@ -1967,7 +1967,7 @@
           <a:p>
             <a:fld id="{74E1180D-E563-4D4C-AA62-97C539356E7C}" type="datetimeFigureOut">
               <a:rPr lang="ko-KR" altLang="en-US" smtClean="0"/>
-              <a:t>2020-07-12</a:t>
+              <a:t>2020-07-21</a:t>
             </a:fld>
             <a:endParaRPr lang="ko-KR" altLang="en-US"/>
           </a:p>
@@ -2080,7 +2080,7 @@
           <a:p>
             <a:fld id="{74E1180D-E563-4D4C-AA62-97C539356E7C}" type="datetimeFigureOut">
               <a:rPr lang="ko-KR" altLang="en-US" smtClean="0"/>
-              <a:t>2020-07-12</a:t>
+              <a:t>2020-07-21</a:t>
             </a:fld>
             <a:endParaRPr lang="ko-KR" altLang="en-US"/>
           </a:p>
@@ -2391,7 +2391,7 @@
           <a:p>
             <a:fld id="{74E1180D-E563-4D4C-AA62-97C539356E7C}" type="datetimeFigureOut">
               <a:rPr lang="ko-KR" altLang="en-US" smtClean="0"/>
-              <a:t>2020-07-12</a:t>
+              <a:t>2020-07-21</a:t>
             </a:fld>
             <a:endParaRPr lang="ko-KR" altLang="en-US"/>
           </a:p>
@@ -2679,7 +2679,7 @@
           <a:p>
             <a:fld id="{74E1180D-E563-4D4C-AA62-97C539356E7C}" type="datetimeFigureOut">
               <a:rPr lang="ko-KR" altLang="en-US" smtClean="0"/>
-              <a:t>2020-07-12</a:t>
+              <a:t>2020-07-21</a:t>
             </a:fld>
             <a:endParaRPr lang="ko-KR" altLang="en-US"/>
           </a:p>
@@ -2920,7 +2920,7 @@
           <a:p>
             <a:fld id="{74E1180D-E563-4D4C-AA62-97C539356E7C}" type="datetimeFigureOut">
               <a:rPr lang="ko-KR" altLang="en-US" smtClean="0"/>
-              <a:t>2020-07-12</a:t>
+              <a:t>2020-07-21</a:t>
             </a:fld>
             <a:endParaRPr lang="ko-KR" altLang="en-US"/>
           </a:p>
@@ -3352,7 +3352,7 @@
           <p:nvPr>
             <p:extLst>
               <p:ext uri="{D42A27DB-BD31-4B8C-83A1-F6EECF244321}">
-                <p14:modId xmlns:p14="http://schemas.microsoft.com/office/powerpoint/2010/main" val="4200153536"/>
+                <p14:modId xmlns:p14="http://schemas.microsoft.com/office/powerpoint/2010/main" val="2155639973"/>
               </p:ext>
             </p:extLst>
           </p:nvPr>
@@ -3550,7 +3550,7 @@
                   </a:txBody>
                   <a:tcPr anchor="ctr"/>
                 </a:tc>
-                <a:tc>
+                <a:tc rowSpan="3">
                   <a:txBody>
                     <a:bodyPr/>
                     <a:lstStyle/>
@@ -3559,7 +3559,15 @@
                         <a:buFont typeface="Arial" panose="020B0604020202020204" pitchFamily="34" charset="0"/>
                         <a:buNone/>
                       </a:pPr>
-                      <a:endParaRPr lang="ko-KR" altLang="en-US" sz="2400"/>
+                      <a:r>
+                        <a:rPr lang="en-US" altLang="ko-KR" sz="2400" dirty="0"/>
+                        <a:t>L7</a:t>
+                      </a:r>
+                      <a:r>
+                        <a:rPr lang="en-US" altLang="ko-KR" sz="2400"/>
+                        <a:t>(firewall)</a:t>
+                      </a:r>
+                      <a:endParaRPr lang="ko-KR" altLang="en-US" sz="2400" dirty="0"/>
                     </a:p>
                   </a:txBody>
                   <a:tcPr anchor="ctr"/>
@@ -3659,7 +3667,7 @@
                   </a:txBody>
                   <a:tcPr anchor="ctr"/>
                 </a:tc>
-                <a:tc>
+                <a:tc vMerge="1">
                   <a:txBody>
                     <a:bodyPr/>
                     <a:lstStyle/>
@@ -3752,7 +3760,7 @@
                   </a:txBody>
                   <a:tcPr anchor="ctr"/>
                 </a:tc>
-                <a:tc>
+                <a:tc vMerge="1">
                   <a:txBody>
                     <a:bodyPr/>
                     <a:lstStyle/>
@@ -3761,7 +3769,7 @@
                         <a:buFont typeface="Arial" panose="020B0604020202020204" pitchFamily="34" charset="0"/>
                         <a:buNone/>
                       </a:pPr>
-                      <a:endParaRPr lang="ko-KR" altLang="en-US" sz="2400"/>
+                      <a:endParaRPr lang="ko-KR" altLang="en-US" sz="2400" dirty="0"/>
                     </a:p>
                   </a:txBody>
                   <a:tcPr anchor="ctr"/>
@@ -3854,7 +3862,11 @@
                         <a:buFont typeface="Arial" panose="020B0604020202020204" pitchFamily="34" charset="0"/>
                         <a:buNone/>
                       </a:pPr>
-                      <a:endParaRPr lang="ko-KR" altLang="en-US" sz="2400"/>
+                      <a:r>
+                        <a:rPr lang="en-US" altLang="ko-KR" sz="2400" dirty="0"/>
+                        <a:t>L4(NAT)</a:t>
+                      </a:r>
+                      <a:endParaRPr lang="ko-KR" altLang="en-US" sz="2400" dirty="0"/>
                     </a:p>
                   </a:txBody>
                   <a:tcPr anchor="ctr"/>
@@ -3963,7 +3975,11 @@
                         <a:buFont typeface="Arial" panose="020B0604020202020204" pitchFamily="34" charset="0"/>
                         <a:buNone/>
                       </a:pPr>
-                      <a:endParaRPr lang="ko-KR" altLang="en-US" sz="2400"/>
+                      <a:r>
+                        <a:rPr lang="en-US" altLang="ko-KR" sz="2400" dirty="0"/>
+                        <a:t>L3(Router)</a:t>
+                      </a:r>
+                      <a:endParaRPr lang="ko-KR" altLang="en-US" sz="2400" dirty="0"/>
                     </a:p>
                   </a:txBody>
                   <a:tcPr anchor="ctr"/>
@@ -3983,7 +3999,7 @@
                             <a:srgbClr val="FF0000"/>
                           </a:solidFill>
                         </a:rPr>
-                        <a:t>IP</a:t>
+                        <a:t>IP(IPv4)</a:t>
                       </a:r>
                       <a:endParaRPr lang="ko-KR" altLang="en-US" sz="2400" b="1" dirty="0">
                         <a:solidFill>
@@ -4072,6 +4088,10 @@
                         <a:buFont typeface="Arial" panose="020B0604020202020204" pitchFamily="34" charset="0"/>
                         <a:buNone/>
                       </a:pPr>
+                      <a:r>
+                        <a:rPr lang="en-US" altLang="ko-KR" sz="2400" dirty="0"/>
+                        <a:t>L2(Switch)</a:t>
+                      </a:r>
                       <a:endParaRPr lang="ko-KR" altLang="en-US" sz="2400" dirty="0"/>
                     </a:p>
                   </a:txBody>
@@ -4191,7 +4211,11 @@
                         <a:buFont typeface="Arial" panose="020B0604020202020204" pitchFamily="34" charset="0"/>
                         <a:buNone/>
                       </a:pPr>
-                      <a:endParaRPr lang="ko-KR" altLang="en-US" sz="2400"/>
+                      <a:r>
+                        <a:rPr lang="en-US" altLang="ko-KR" sz="2400" dirty="0"/>
+                        <a:t>L1</a:t>
+                      </a:r>
+                      <a:endParaRPr lang="ko-KR" altLang="en-US" sz="2400" dirty="0"/>
                     </a:p>
                   </a:txBody>
                   <a:tcPr anchor="ctr"/>

--- a/osi-and-tcp.pptx
+++ b/osi-and-tcp.pptx
@@ -3352,7 +3352,7 @@
           <p:nvPr>
             <p:extLst>
               <p:ext uri="{D42A27DB-BD31-4B8C-83A1-F6EECF244321}">
-                <p14:modId xmlns:p14="http://schemas.microsoft.com/office/powerpoint/2010/main" val="2155639973"/>
+                <p14:modId xmlns:p14="http://schemas.microsoft.com/office/powerpoint/2010/main" val="489856790"/>
               </p:ext>
             </p:extLst>
           </p:nvPr>
@@ -3565,7 +3565,11 @@
                       </a:r>
                       <a:r>
                         <a:rPr lang="en-US" altLang="ko-KR" sz="2400"/>
-                        <a:t>(firewall)</a:t>
+                        <a:t>(firewall</a:t>
+                      </a:r>
+                      <a:r>
+                        <a:rPr lang="en-US" altLang="ko-KR" sz="2400" dirty="0"/>
+                        <a:t>)</a:t>
                       </a:r>
                       <a:endParaRPr lang="ko-KR" altLang="en-US" sz="2400" dirty="0"/>
                     </a:p>
